--- a/Documentation/Präsentatio_RoomControlling.pptx
+++ b/Documentation/Präsentatio_RoomControlling.pptx
@@ -5,19 +5,20 @@
     <p:sldMasterId id="2147483765" r:id="rId1"/>
   </p:sldMasterIdLst>
   <p:notesMasterIdLst>
-    <p:notesMasterId r:id="rId12"/>
+    <p:notesMasterId r:id="rId13"/>
   </p:notesMasterIdLst>
   <p:sldIdLst>
     <p:sldId id="256" r:id="rId2"/>
-    <p:sldId id="257" r:id="rId3"/>
-    <p:sldId id="261" r:id="rId4"/>
-    <p:sldId id="264" r:id="rId5"/>
-    <p:sldId id="263" r:id="rId6"/>
-    <p:sldId id="265" r:id="rId7"/>
-    <p:sldId id="258" r:id="rId8"/>
-    <p:sldId id="259" r:id="rId9"/>
-    <p:sldId id="260" r:id="rId10"/>
-    <p:sldId id="262" r:id="rId11"/>
+    <p:sldId id="266" r:id="rId3"/>
+    <p:sldId id="257" r:id="rId4"/>
+    <p:sldId id="261" r:id="rId5"/>
+    <p:sldId id="264" r:id="rId6"/>
+    <p:sldId id="263" r:id="rId7"/>
+    <p:sldId id="265" r:id="rId8"/>
+    <p:sldId id="258" r:id="rId9"/>
+    <p:sldId id="259" r:id="rId10"/>
+    <p:sldId id="260" r:id="rId11"/>
+    <p:sldId id="262" r:id="rId12"/>
   </p:sldIdLst>
   <p:sldSz cx="12192000" cy="6858000"/>
   <p:notesSz cx="6858000" cy="9144000"/>
@@ -116,6 +117,11 @@
       </a:defRPr>
     </a:lvl9pPr>
   </p:defaultTextStyle>
+  <p:extLst>
+    <p:ext uri="{EFAFB233-063F-42B5-8137-9DF3F51BA10A}">
+      <p15:sldGuideLst xmlns:p15="http://schemas.microsoft.com/office/powerpoint/2012/main"/>
+    </p:ext>
+  </p:extLst>
 </p:presentation>
 </file>
 
@@ -201,7 +207,7 @@
           <a:p>
             <a:fld id="{6282DB4E-9F32-43DB-896C-1BAE7C810798}" type="datetimeFigureOut">
               <a:rPr lang="de-CH" smtClean="0"/>
-              <a:t>02.03.2019</a:t>
+              <a:t>07.03.2019</a:t>
             </a:fld>
             <a:endParaRPr lang="de-CH"/>
           </a:p>
@@ -534,7 +540,7 @@
           <a:p>
             <a:fld id="{C1CC35F8-65E6-4ABC-912B-76818615CC1C}" type="slidenum">
               <a:rPr lang="de-CH" smtClean="0"/>
-              <a:t>2</a:t>
+              <a:t>3</a:t>
             </a:fld>
             <a:endParaRPr lang="de-CH"/>
           </a:p>
@@ -633,7 +639,7 @@
           <a:p>
             <a:fld id="{C1CC35F8-65E6-4ABC-912B-76818615CC1C}" type="slidenum">
               <a:rPr lang="de-CH" smtClean="0"/>
-              <a:t>4</a:t>
+              <a:t>5</a:t>
             </a:fld>
             <a:endParaRPr lang="de-CH"/>
           </a:p>
@@ -749,7 +755,7 @@
           <a:p>
             <a:fld id="{C1CC35F8-65E6-4ABC-912B-76818615CC1C}" type="slidenum">
               <a:rPr lang="de-CH" smtClean="0"/>
-              <a:t>5</a:t>
+              <a:t>6</a:t>
             </a:fld>
             <a:endParaRPr lang="de-CH"/>
           </a:p>
@@ -858,7 +864,7 @@
           <a:p>
             <a:fld id="{C1CC35F8-65E6-4ABC-912B-76818615CC1C}" type="slidenum">
               <a:rPr lang="de-CH" smtClean="0"/>
-              <a:t>6</a:t>
+              <a:t>7</a:t>
             </a:fld>
             <a:endParaRPr lang="de-CH"/>
           </a:p>
@@ -945,7 +951,7 @@
           <a:p>
             <a:fld id="{C1CC35F8-65E6-4ABC-912B-76818615CC1C}" type="slidenum">
               <a:rPr lang="de-CH" smtClean="0"/>
-              <a:t>7</a:t>
+              <a:t>8</a:t>
             </a:fld>
             <a:endParaRPr lang="de-CH"/>
           </a:p>
@@ -1078,7 +1084,7 @@
           <a:p>
             <a:fld id="{C1CC35F8-65E6-4ABC-912B-76818615CC1C}" type="slidenum">
               <a:rPr lang="de-CH" smtClean="0"/>
-              <a:t>8</a:t>
+              <a:t>9</a:t>
             </a:fld>
             <a:endParaRPr lang="de-CH"/>
           </a:p>
@@ -1162,7 +1168,7 @@
           <a:p>
             <a:fld id="{C1CC35F8-65E6-4ABC-912B-76818615CC1C}" type="slidenum">
               <a:rPr lang="de-CH" smtClean="0"/>
-              <a:t>9</a:t>
+              <a:t>10</a:t>
             </a:fld>
             <a:endParaRPr lang="de-CH"/>
           </a:p>
@@ -1249,7 +1255,7 @@
           <a:p>
             <a:fld id="{C1CC35F8-65E6-4ABC-912B-76818615CC1C}" type="slidenum">
               <a:rPr lang="de-CH" smtClean="0"/>
-              <a:t>10</a:t>
+              <a:t>11</a:t>
             </a:fld>
             <a:endParaRPr lang="de-CH"/>
           </a:p>
@@ -1494,7 +1500,7 @@
           <a:p>
             <a:fld id="{8E3E715B-503C-4DE3-A7EC-EAFC4E808F34}" type="datetimeFigureOut">
               <a:rPr lang="de-CH" smtClean="0"/>
-              <a:t>02.03.2019</a:t>
+              <a:t>07.03.2019</a:t>
             </a:fld>
             <a:endParaRPr lang="de-CH"/>
           </a:p>
@@ -1702,7 +1708,7 @@
           <a:p>
             <a:fld id="{8E3E715B-503C-4DE3-A7EC-EAFC4E808F34}" type="datetimeFigureOut">
               <a:rPr lang="de-CH" smtClean="0"/>
-              <a:t>02.03.2019</a:t>
+              <a:t>07.03.2019</a:t>
             </a:fld>
             <a:endParaRPr lang="de-CH"/>
           </a:p>
@@ -1958,7 +1964,7 @@
           <a:p>
             <a:fld id="{8E3E715B-503C-4DE3-A7EC-EAFC4E808F34}" type="datetimeFigureOut">
               <a:rPr lang="de-CH" smtClean="0"/>
-              <a:t>02.03.2019</a:t>
+              <a:t>07.03.2019</a:t>
             </a:fld>
             <a:endParaRPr lang="de-CH"/>
           </a:p>
@@ -2132,7 +2138,7 @@
           <a:p>
             <a:fld id="{8E3E715B-503C-4DE3-A7EC-EAFC4E808F34}" type="datetimeFigureOut">
               <a:rPr lang="de-CH" smtClean="0"/>
-              <a:t>02.03.2019</a:t>
+              <a:t>07.03.2019</a:t>
             </a:fld>
             <a:endParaRPr lang="de-CH"/>
           </a:p>
@@ -2475,7 +2481,7 @@
           <a:p>
             <a:fld id="{8E3E715B-503C-4DE3-A7EC-EAFC4E808F34}" type="datetimeFigureOut">
               <a:rPr lang="de-CH" smtClean="0"/>
-              <a:t>02.03.2019</a:t>
+              <a:t>07.03.2019</a:t>
             </a:fld>
             <a:endParaRPr lang="de-CH"/>
           </a:p>
@@ -2750,7 +2756,7 @@
           <a:p>
             <a:fld id="{8E3E715B-503C-4DE3-A7EC-EAFC4E808F34}" type="datetimeFigureOut">
               <a:rPr lang="de-CH" smtClean="0"/>
-              <a:t>02.03.2019</a:t>
+              <a:t>07.03.2019</a:t>
             </a:fld>
             <a:endParaRPr lang="de-CH"/>
           </a:p>
@@ -3129,7 +3135,7 @@
           <a:p>
             <a:fld id="{8E3E715B-503C-4DE3-A7EC-EAFC4E808F34}" type="datetimeFigureOut">
               <a:rPr lang="de-CH" smtClean="0"/>
-              <a:t>02.03.2019</a:t>
+              <a:t>07.03.2019</a:t>
             </a:fld>
             <a:endParaRPr lang="de-CH"/>
           </a:p>
@@ -3247,7 +3253,7 @@
           <a:p>
             <a:fld id="{8E3E715B-503C-4DE3-A7EC-EAFC4E808F34}" type="datetimeFigureOut">
               <a:rPr lang="de-CH" smtClean="0"/>
-              <a:t>02.03.2019</a:t>
+              <a:t>07.03.2019</a:t>
             </a:fld>
             <a:endParaRPr lang="de-CH"/>
           </a:p>
@@ -3418,7 +3424,7 @@
           <a:p>
             <a:fld id="{8E3E715B-503C-4DE3-A7EC-EAFC4E808F34}" type="datetimeFigureOut">
               <a:rPr lang="de-CH" smtClean="0"/>
-              <a:t>02.03.2019</a:t>
+              <a:t>07.03.2019</a:t>
             </a:fld>
             <a:endParaRPr lang="de-CH"/>
           </a:p>
@@ -3772,7 +3778,7 @@
           <a:p>
             <a:fld id="{8E3E715B-503C-4DE3-A7EC-EAFC4E808F34}" type="datetimeFigureOut">
               <a:rPr lang="de-CH" smtClean="0"/>
-              <a:t>02.03.2019</a:t>
+              <a:t>07.03.2019</a:t>
             </a:fld>
             <a:endParaRPr lang="de-CH"/>
           </a:p>
@@ -4154,7 +4160,7 @@
           <a:p>
             <a:fld id="{8E3E715B-503C-4DE3-A7EC-EAFC4E808F34}" type="datetimeFigureOut">
               <a:rPr lang="de-CH" smtClean="0"/>
-              <a:t>02.03.2019</a:t>
+              <a:t>07.03.2019</a:t>
             </a:fld>
             <a:endParaRPr lang="de-CH"/>
           </a:p>
@@ -4441,7 +4447,7 @@
           <a:p>
             <a:fld id="{8E3E715B-503C-4DE3-A7EC-EAFC4E808F34}" type="datetimeFigureOut">
               <a:rPr lang="de-CH" smtClean="0"/>
-              <a:t>02.03.2019</a:t>
+              <a:t>07.03.2019</a:t>
             </a:fld>
             <a:endParaRPr lang="de-CH"/>
           </a:p>
@@ -5262,6 +5268,113 @@
 <file path=ppt/slides/slide10.xml><?xml version="1.0" encoding="utf-8"?>
 <p:sld xmlns:a="http://schemas.openxmlformats.org/drawingml/2006/main" xmlns:r="http://schemas.openxmlformats.org/officeDocument/2006/relationships" xmlns:p="http://schemas.openxmlformats.org/presentationml/2006/main">
   <p:cSld>
+    <p:spTree>
+      <p:nvGrpSpPr>
+        <p:cNvPr id="1" name=""/>
+        <p:cNvGrpSpPr/>
+        <p:nvPr/>
+      </p:nvGrpSpPr>
+      <p:grpSpPr>
+        <a:xfrm>
+          <a:off x="0" y="0"/>
+          <a:ext cx="0" cy="0"/>
+          <a:chOff x="0" y="0"/>
+          <a:chExt cx="0" cy="0"/>
+        </a:xfrm>
+      </p:grpSpPr>
+      <p:sp>
+        <p:nvSpPr>
+          <p:cNvPr id="2" name="Titel 1">
+            <a:extLst>
+              <a:ext uri="{FF2B5EF4-FFF2-40B4-BE49-F238E27FC236}">
+                <a16:creationId xmlns:a16="http://schemas.microsoft.com/office/drawing/2014/main" id="{F642B80B-CB37-4FC7-9C1B-B1E3F6322652}"/>
+              </a:ext>
+            </a:extLst>
+          </p:cNvPr>
+          <p:cNvSpPr>
+            <a:spLocks noGrp="1"/>
+          </p:cNvSpPr>
+          <p:nvPr>
+            <p:ph type="title"/>
+          </p:nvPr>
+        </p:nvSpPr>
+        <p:spPr/>
+        <p:txBody>
+          <a:bodyPr/>
+          <a:lstStyle/>
+          <a:p>
+            <a:r>
+              <a:rPr lang="de-CH" dirty="0"/>
+              <a:t>Was habe ich gelernt?	</a:t>
+            </a:r>
+          </a:p>
+        </p:txBody>
+      </p:sp>
+      <p:sp>
+        <p:nvSpPr>
+          <p:cNvPr id="3" name="Inhaltsplatzhalter 2">
+            <a:extLst>
+              <a:ext uri="{FF2B5EF4-FFF2-40B4-BE49-F238E27FC236}">
+                <a16:creationId xmlns:a16="http://schemas.microsoft.com/office/drawing/2014/main" id="{F5718AB6-FD2F-4F23-AD13-D0BD29B45998}"/>
+              </a:ext>
+            </a:extLst>
+          </p:cNvPr>
+          <p:cNvSpPr>
+            <a:spLocks noGrp="1"/>
+          </p:cNvSpPr>
+          <p:nvPr>
+            <p:ph idx="1"/>
+          </p:nvPr>
+        </p:nvSpPr>
+        <p:spPr/>
+        <p:txBody>
+          <a:bodyPr/>
+          <a:lstStyle/>
+          <a:p>
+            <a:pPr>
+              <a:buFont typeface="Wingdings" panose="05000000000000000000" pitchFamily="2" charset="2"/>
+              <a:buChar char="§"/>
+            </a:pPr>
+            <a:r>
+              <a:rPr lang="de-CH" dirty="0"/>
+              <a:t> Projekt selbstständig durchführen</a:t>
+            </a:r>
+          </a:p>
+          <a:p>
+            <a:pPr>
+              <a:buFont typeface="Wingdings" panose="05000000000000000000" pitchFamily="2" charset="2"/>
+              <a:buChar char="§"/>
+            </a:pPr>
+            <a:r>
+              <a:rPr lang="de-CH" dirty="0"/>
+              <a:t> Arduino mit dem Internet verbinden</a:t>
+            </a:r>
+          </a:p>
+          <a:p>
+            <a:pPr>
+              <a:buFont typeface="Wingdings" panose="05000000000000000000" pitchFamily="2" charset="2"/>
+              <a:buChar char="§"/>
+            </a:pPr>
+            <a:endParaRPr lang="de-CH" dirty="0"/>
+          </a:p>
+        </p:txBody>
+      </p:sp>
+    </p:spTree>
+    <p:extLst>
+      <p:ext uri="{BB962C8B-B14F-4D97-AF65-F5344CB8AC3E}">
+        <p14:creationId xmlns:p14="http://schemas.microsoft.com/office/powerpoint/2010/main" val="4156074382"/>
+      </p:ext>
+    </p:extLst>
+  </p:cSld>
+  <p:clrMapOvr>
+    <a:masterClrMapping/>
+  </p:clrMapOvr>
+</p:sld>
+</file>
+
+<file path=ppt/slides/slide11.xml><?xml version="1.0" encoding="utf-8"?>
+<p:sld xmlns:a="http://schemas.openxmlformats.org/drawingml/2006/main" xmlns:r="http://schemas.openxmlformats.org/officeDocument/2006/relationships" xmlns:p="http://schemas.openxmlformats.org/presentationml/2006/main">
+  <p:cSld>
     <p:bg>
       <p:bgPr>
         <a:solidFill>
@@ -5696,6 +5809,174 @@
           <p:cNvPr id="2" name="Titel 1">
             <a:extLst>
               <a:ext uri="{FF2B5EF4-FFF2-40B4-BE49-F238E27FC236}">
+                <a16:creationId xmlns:a16="http://schemas.microsoft.com/office/drawing/2014/main" id="{36A83E3A-5E71-4B00-BBBD-72DDE537D6CA}"/>
+              </a:ext>
+            </a:extLst>
+          </p:cNvPr>
+          <p:cNvSpPr>
+            <a:spLocks noGrp="1"/>
+          </p:cNvSpPr>
+          <p:nvPr>
+            <p:ph type="title"/>
+          </p:nvPr>
+        </p:nvSpPr>
+        <p:spPr/>
+        <p:txBody>
+          <a:bodyPr/>
+          <a:lstStyle/>
+          <a:p>
+            <a:r>
+              <a:rPr lang="de-CH" dirty="0"/>
+              <a:t>Ablauf</a:t>
+            </a:r>
+          </a:p>
+        </p:txBody>
+      </p:sp>
+      <p:sp>
+        <p:nvSpPr>
+          <p:cNvPr id="3" name="Inhaltsplatzhalter 2">
+            <a:extLst>
+              <a:ext uri="{FF2B5EF4-FFF2-40B4-BE49-F238E27FC236}">
+                <a16:creationId xmlns:a16="http://schemas.microsoft.com/office/drawing/2014/main" id="{7DB5020A-55ED-47C8-A694-8DC60B0F1F1B}"/>
+              </a:ext>
+            </a:extLst>
+          </p:cNvPr>
+          <p:cNvSpPr>
+            <a:spLocks noGrp="1"/>
+          </p:cNvSpPr>
+          <p:nvPr>
+            <p:ph idx="1"/>
+          </p:nvPr>
+        </p:nvSpPr>
+        <p:spPr/>
+        <p:txBody>
+          <a:bodyPr/>
+          <a:lstStyle/>
+          <a:p>
+            <a:pPr>
+              <a:buFont typeface="Wingdings" panose="05000000000000000000" pitchFamily="2" charset="2"/>
+              <a:buChar char="§"/>
+            </a:pPr>
+            <a:r>
+              <a:rPr lang="de-CH" dirty="0"/>
+              <a:t> Projektziele</a:t>
+            </a:r>
+          </a:p>
+          <a:p>
+            <a:pPr>
+              <a:buFont typeface="Wingdings" panose="05000000000000000000" pitchFamily="2" charset="2"/>
+              <a:buChar char="§"/>
+            </a:pPr>
+            <a:r>
+              <a:rPr lang="de-CH" dirty="0"/>
+              <a:t> Struktur</a:t>
+            </a:r>
+          </a:p>
+          <a:p>
+            <a:pPr>
+              <a:buFont typeface="Wingdings" panose="05000000000000000000" pitchFamily="2" charset="2"/>
+              <a:buChar char="§"/>
+            </a:pPr>
+            <a:r>
+              <a:rPr lang="de-CH" dirty="0"/>
+              <a:t> Hardware</a:t>
+            </a:r>
+          </a:p>
+          <a:p>
+            <a:pPr>
+              <a:buFont typeface="Wingdings" panose="05000000000000000000" pitchFamily="2" charset="2"/>
+              <a:buChar char="§"/>
+            </a:pPr>
+            <a:r>
+              <a:rPr lang="de-CH" dirty="0"/>
+              <a:t> Datenbank</a:t>
+            </a:r>
+          </a:p>
+          <a:p>
+            <a:pPr>
+              <a:buFont typeface="Wingdings" panose="05000000000000000000" pitchFamily="2" charset="2"/>
+              <a:buChar char="§"/>
+            </a:pPr>
+            <a:r>
+              <a:rPr lang="de-CH" dirty="0"/>
+              <a:t> Was wurde erreicht?</a:t>
+            </a:r>
+          </a:p>
+          <a:p>
+            <a:pPr>
+              <a:buFont typeface="Wingdings" panose="05000000000000000000" pitchFamily="2" charset="2"/>
+              <a:buChar char="§"/>
+            </a:pPr>
+            <a:r>
+              <a:rPr lang="de-CH" dirty="0"/>
+              <a:t> Herausforderungen</a:t>
+            </a:r>
+          </a:p>
+          <a:p>
+            <a:pPr>
+              <a:buFont typeface="Wingdings" panose="05000000000000000000" pitchFamily="2" charset="2"/>
+              <a:buChar char="§"/>
+            </a:pPr>
+            <a:r>
+              <a:rPr lang="de-CH" dirty="0"/>
+              <a:t> Was habe ich gelernt?</a:t>
+            </a:r>
+          </a:p>
+          <a:p>
+            <a:pPr>
+              <a:buFont typeface="Wingdings" panose="05000000000000000000" pitchFamily="2" charset="2"/>
+              <a:buChar char="§"/>
+            </a:pPr>
+            <a:r>
+              <a:rPr lang="de-CH"/>
+              <a:t> Demo</a:t>
+            </a:r>
+            <a:endParaRPr lang="de-CH" dirty="0"/>
+          </a:p>
+          <a:p>
+            <a:pPr>
+              <a:buFont typeface="Wingdings" panose="05000000000000000000" pitchFamily="2" charset="2"/>
+              <a:buChar char="§"/>
+            </a:pPr>
+            <a:endParaRPr lang="de-CH" dirty="0"/>
+          </a:p>
+        </p:txBody>
+      </p:sp>
+    </p:spTree>
+    <p:extLst>
+      <p:ext uri="{BB962C8B-B14F-4D97-AF65-F5344CB8AC3E}">
+        <p14:creationId xmlns:p14="http://schemas.microsoft.com/office/powerpoint/2010/main" val="1752273562"/>
+      </p:ext>
+    </p:extLst>
+  </p:cSld>
+  <p:clrMapOvr>
+    <a:masterClrMapping/>
+  </p:clrMapOvr>
+</p:sld>
+</file>
+
+<file path=ppt/slides/slide3.xml><?xml version="1.0" encoding="utf-8"?>
+<p:sld xmlns:a="http://schemas.openxmlformats.org/drawingml/2006/main" xmlns:r="http://schemas.openxmlformats.org/officeDocument/2006/relationships" xmlns:p="http://schemas.openxmlformats.org/presentationml/2006/main">
+  <p:cSld>
+    <p:spTree>
+      <p:nvGrpSpPr>
+        <p:cNvPr id="1" name=""/>
+        <p:cNvGrpSpPr/>
+        <p:nvPr/>
+      </p:nvGrpSpPr>
+      <p:grpSpPr>
+        <a:xfrm>
+          <a:off x="0" y="0"/>
+          <a:ext cx="0" cy="0"/>
+          <a:chOff x="0" y="0"/>
+          <a:chExt cx="0" cy="0"/>
+        </a:xfrm>
+      </p:grpSpPr>
+      <p:sp>
+        <p:nvSpPr>
+          <p:cNvPr id="2" name="Titel 1">
+            <a:extLst>
+              <a:ext uri="{FF2B5EF4-FFF2-40B4-BE49-F238E27FC236}">
                 <a16:creationId xmlns:a16="http://schemas.microsoft.com/office/drawing/2014/main" id="{77A4E0FF-A0F8-4DEE-9DAB-C1C0C49D4660}"/>
               </a:ext>
             </a:extLst>
@@ -5794,7 +6075,7 @@
 </p:sld>
 </file>
 
-<file path=ppt/slides/slide3.xml><?xml version="1.0" encoding="utf-8"?>
+<file path=ppt/slides/slide4.xml><?xml version="1.0" encoding="utf-8"?>
 <p:sld xmlns:a="http://schemas.openxmlformats.org/drawingml/2006/main" xmlns:r="http://schemas.openxmlformats.org/officeDocument/2006/relationships" xmlns:p="http://schemas.openxmlformats.org/presentationml/2006/main">
   <p:cSld>
     <p:spTree>
@@ -6254,7 +6535,7 @@
 </p:sld>
 </file>
 
-<file path=ppt/slides/slide4.xml><?xml version="1.0" encoding="utf-8"?>
+<file path=ppt/slides/slide5.xml><?xml version="1.0" encoding="utf-8"?>
 <p:sld xmlns:a="http://schemas.openxmlformats.org/drawingml/2006/main" xmlns:r="http://schemas.openxmlformats.org/officeDocument/2006/relationships" xmlns:p="http://schemas.openxmlformats.org/presentationml/2006/main">
   <p:cSld>
     <p:spTree>
@@ -6359,7 +6640,7 @@
 </p:sld>
 </file>
 
-<file path=ppt/slides/slide5.xml><?xml version="1.0" encoding="utf-8"?>
+<file path=ppt/slides/slide6.xml><?xml version="1.0" encoding="utf-8"?>
 <p:sld xmlns:a="http://schemas.openxmlformats.org/drawingml/2006/main" xmlns:r="http://schemas.openxmlformats.org/officeDocument/2006/relationships" xmlns:p="http://schemas.openxmlformats.org/presentationml/2006/main">
   <p:cSld>
     <p:spTree>
@@ -6436,6 +6717,53 @@
           </a:prstGeom>
         </p:spPr>
       </p:pic>
+      <p:pic>
+        <p:nvPicPr>
+          <p:cNvPr id="1026" name="Picture 2" descr="Bildergebnis fÃ¼r hyt 939 ist ag">
+            <a:extLst>
+              <a:ext uri="{FF2B5EF4-FFF2-40B4-BE49-F238E27FC236}">
+                <a16:creationId xmlns:a16="http://schemas.microsoft.com/office/drawing/2014/main" id="{FA777B60-A434-4F18-9C5A-913FE1967340}"/>
+              </a:ext>
+            </a:extLst>
+          </p:cNvPr>
+          <p:cNvPicPr>
+            <a:picLocks noChangeAspect="1" noChangeArrowheads="1"/>
+          </p:cNvPicPr>
+          <p:nvPr/>
+        </p:nvPicPr>
+        <p:blipFill>
+          <a:blip r:embed="rId4">
+            <a:extLst>
+              <a:ext uri="{28A0092B-C50C-407E-A947-70E740481C1C}">
+                <a14:useLocalDpi xmlns:a14="http://schemas.microsoft.com/office/drawing/2010/main" val="0"/>
+              </a:ext>
+            </a:extLst>
+          </a:blip>
+          <a:srcRect/>
+          <a:stretch>
+            <a:fillRect/>
+          </a:stretch>
+        </p:blipFill>
+        <p:spPr bwMode="auto">
+          <a:xfrm>
+            <a:off x="9883706" y="2144884"/>
+            <a:ext cx="1634778" cy="2568231"/>
+          </a:xfrm>
+          <a:prstGeom prst="rect">
+            <a:avLst/>
+          </a:prstGeom>
+          <a:noFill/>
+          <a:extLst>
+            <a:ext uri="{909E8E84-426E-40DD-AFC4-6F175D3DCCD1}">
+              <a14:hiddenFill xmlns:a14="http://schemas.microsoft.com/office/drawing/2010/main">
+                <a:solidFill>
+                  <a:srgbClr val="FFFFFF"/>
+                </a:solidFill>
+              </a14:hiddenFill>
+            </a:ext>
+          </a:extLst>
+        </p:spPr>
+      </p:pic>
     </p:spTree>
     <p:extLst>
       <p:ext uri="{BB962C8B-B14F-4D97-AF65-F5344CB8AC3E}">
@@ -6449,7 +6777,7 @@
 </p:sld>
 </file>
 
-<file path=ppt/slides/slide6.xml><?xml version="1.0" encoding="utf-8"?>
+<file path=ppt/slides/slide7.xml><?xml version="1.0" encoding="utf-8"?>
 <p:sld xmlns:a="http://schemas.openxmlformats.org/drawingml/2006/main" xmlns:r="http://schemas.openxmlformats.org/officeDocument/2006/relationships" xmlns:p="http://schemas.openxmlformats.org/presentationml/2006/main">
   <p:cSld>
     <p:bg>
@@ -6757,8 +7085,8 @@
         </p:blipFill>
         <p:spPr>
           <a:xfrm>
-            <a:off x="4742017" y="998686"/>
-            <a:ext cx="6798082" cy="4860627"/>
+            <a:off x="4222548" y="617366"/>
+            <a:ext cx="7851027" cy="5719368"/>
           </a:xfrm>
           <a:prstGeom prst="rect">
             <a:avLst/>
@@ -6778,7 +7106,7 @@
 </p:sld>
 </file>
 
-<file path=ppt/slides/slide7.xml><?xml version="1.0" encoding="utf-8"?>
+<file path=ppt/slides/slide8.xml><?xml version="1.0" encoding="utf-8"?>
 <p:sld xmlns:a="http://schemas.openxmlformats.org/drawingml/2006/main" xmlns:r="http://schemas.openxmlformats.org/officeDocument/2006/relationships" xmlns:p="http://schemas.openxmlformats.org/presentationml/2006/main">
   <p:cSld>
     <p:bg>
@@ -7218,114 +7546,6 @@
 </p:sld>
 </file>
 
-<file path=ppt/slides/slide8.xml><?xml version="1.0" encoding="utf-8"?>
-<p:sld xmlns:a="http://schemas.openxmlformats.org/drawingml/2006/main" xmlns:r="http://schemas.openxmlformats.org/officeDocument/2006/relationships" xmlns:p="http://schemas.openxmlformats.org/presentationml/2006/main">
-  <p:cSld>
-    <p:spTree>
-      <p:nvGrpSpPr>
-        <p:cNvPr id="1" name=""/>
-        <p:cNvGrpSpPr/>
-        <p:nvPr/>
-      </p:nvGrpSpPr>
-      <p:grpSpPr>
-        <a:xfrm>
-          <a:off x="0" y="0"/>
-          <a:ext cx="0" cy="0"/>
-          <a:chOff x="0" y="0"/>
-          <a:chExt cx="0" cy="0"/>
-        </a:xfrm>
-      </p:grpSpPr>
-      <p:sp>
-        <p:nvSpPr>
-          <p:cNvPr id="2" name="Titel 1">
-            <a:extLst>
-              <a:ext uri="{FF2B5EF4-FFF2-40B4-BE49-F238E27FC236}">
-                <a16:creationId xmlns:a16="http://schemas.microsoft.com/office/drawing/2014/main" id="{611C124F-633A-4A9D-8CF7-FF2C5340623D}"/>
-              </a:ext>
-            </a:extLst>
-          </p:cNvPr>
-          <p:cNvSpPr>
-            <a:spLocks noGrp="1"/>
-          </p:cNvSpPr>
-          <p:nvPr>
-            <p:ph type="title"/>
-          </p:nvPr>
-        </p:nvSpPr>
-        <p:spPr/>
-        <p:txBody>
-          <a:bodyPr/>
-          <a:lstStyle/>
-          <a:p>
-            <a:r>
-              <a:rPr lang="de-CH" dirty="0"/>
-              <a:t>Herausforderungen?</a:t>
-            </a:r>
-          </a:p>
-        </p:txBody>
-      </p:sp>
-      <p:sp>
-        <p:nvSpPr>
-          <p:cNvPr id="3" name="Inhaltsplatzhalter 2">
-            <a:extLst>
-              <a:ext uri="{FF2B5EF4-FFF2-40B4-BE49-F238E27FC236}">
-                <a16:creationId xmlns:a16="http://schemas.microsoft.com/office/drawing/2014/main" id="{B3AB964C-14A5-4C8F-8D4C-D2394EE3462A}"/>
-              </a:ext>
-            </a:extLst>
-          </p:cNvPr>
-          <p:cNvSpPr>
-            <a:spLocks noGrp="1"/>
-          </p:cNvSpPr>
-          <p:nvPr>
-            <p:ph idx="1"/>
-          </p:nvPr>
-        </p:nvSpPr>
-        <p:spPr/>
-        <p:txBody>
-          <a:bodyPr/>
-          <a:lstStyle/>
-          <a:p>
-            <a:pPr>
-              <a:buFont typeface="Wingdings" panose="05000000000000000000" pitchFamily="2" charset="2"/>
-              <a:buChar char="§"/>
-            </a:pPr>
-            <a:r>
-              <a:rPr lang="de-CH" dirty="0"/>
-              <a:t> Verbindung ins Internet</a:t>
-            </a:r>
-          </a:p>
-          <a:p>
-            <a:pPr>
-              <a:buFont typeface="Wingdings" panose="05000000000000000000" pitchFamily="2" charset="2"/>
-              <a:buChar char="§"/>
-            </a:pPr>
-            <a:r>
-              <a:rPr lang="de-CH" dirty="0"/>
-              <a:t> Möglichst wenig Stromverbrauch (</a:t>
-            </a:r>
-            <a:r>
-              <a:rPr lang="de-CH" dirty="0" err="1"/>
-              <a:t>Deepsleep</a:t>
-            </a:r>
-            <a:r>
-              <a:rPr lang="de-CH" dirty="0"/>
-              <a:t>)</a:t>
-            </a:r>
-          </a:p>
-        </p:txBody>
-      </p:sp>
-    </p:spTree>
-    <p:extLst>
-      <p:ext uri="{BB962C8B-B14F-4D97-AF65-F5344CB8AC3E}">
-        <p14:creationId xmlns:p14="http://schemas.microsoft.com/office/powerpoint/2010/main" val="3274766043"/>
-      </p:ext>
-    </p:extLst>
-  </p:cSld>
-  <p:clrMapOvr>
-    <a:masterClrMapping/>
-  </p:clrMapOvr>
-</p:sld>
-</file>
-
 <file path=ppt/slides/slide9.xml><?xml version="1.0" encoding="utf-8"?>
 <p:sld xmlns:a="http://schemas.openxmlformats.org/drawingml/2006/main" xmlns:r="http://schemas.openxmlformats.org/officeDocument/2006/relationships" xmlns:p="http://schemas.openxmlformats.org/presentationml/2006/main">
   <p:cSld>
@@ -7348,7 +7568,7 @@
           <p:cNvPr id="2" name="Titel 1">
             <a:extLst>
               <a:ext uri="{FF2B5EF4-FFF2-40B4-BE49-F238E27FC236}">
-                <a16:creationId xmlns:a16="http://schemas.microsoft.com/office/drawing/2014/main" id="{F642B80B-CB37-4FC7-9C1B-B1E3F6322652}"/>
+                <a16:creationId xmlns:a16="http://schemas.microsoft.com/office/drawing/2014/main" id="{611C124F-633A-4A9D-8CF7-FF2C5340623D}"/>
               </a:ext>
             </a:extLst>
           </p:cNvPr>
@@ -7366,7 +7586,7 @@
           <a:p>
             <a:r>
               <a:rPr lang="de-CH" dirty="0"/>
-              <a:t>Was habe ich gelernt?	</a:t>
+              <a:t>Herausforderungen</a:t>
             </a:r>
           </a:p>
         </p:txBody>
@@ -7376,7 +7596,7 @@
           <p:cNvPr id="3" name="Inhaltsplatzhalter 2">
             <a:extLst>
               <a:ext uri="{FF2B5EF4-FFF2-40B4-BE49-F238E27FC236}">
-                <a16:creationId xmlns:a16="http://schemas.microsoft.com/office/drawing/2014/main" id="{F5718AB6-FD2F-4F23-AD13-D0BD29B45998}"/>
+                <a16:creationId xmlns:a16="http://schemas.microsoft.com/office/drawing/2014/main" id="{B3AB964C-14A5-4C8F-8D4C-D2394EE3462A}"/>
               </a:ext>
             </a:extLst>
           </p:cNvPr>
@@ -7398,7 +7618,7 @@
             </a:pPr>
             <a:r>
               <a:rPr lang="de-CH" dirty="0"/>
-              <a:t> Projekt selbstständig durchführen</a:t>
+              <a:t> Verbindung ins Internet</a:t>
             </a:r>
           </a:p>
           <a:p>
@@ -7406,14 +7626,25 @@
               <a:buFont typeface="Wingdings" panose="05000000000000000000" pitchFamily="2" charset="2"/>
               <a:buChar char="§"/>
             </a:pPr>
-            <a:endParaRPr lang="de-CH" dirty="0"/>
+            <a:r>
+              <a:rPr lang="de-CH" dirty="0"/>
+              <a:t> Möglichst wenig Stromverbrauch (Lösung: </a:t>
+            </a:r>
+            <a:r>
+              <a:rPr lang="de-CH" dirty="0" err="1"/>
+              <a:t>Deepsleep</a:t>
+            </a:r>
+            <a:r>
+              <a:rPr lang="de-CH" dirty="0"/>
+              <a:t>)</a:t>
+            </a:r>
           </a:p>
         </p:txBody>
       </p:sp>
     </p:spTree>
     <p:extLst>
       <p:ext uri="{BB962C8B-B14F-4D97-AF65-F5344CB8AC3E}">
-        <p14:creationId xmlns:p14="http://schemas.microsoft.com/office/powerpoint/2010/main" val="4156074382"/>
+        <p14:creationId xmlns:p14="http://schemas.microsoft.com/office/powerpoint/2010/main" val="3274766043"/>
       </p:ext>
     </p:extLst>
   </p:cSld>

--- a/Documentation/Präsentatio_RoomControlling.pptx
+++ b/Documentation/Präsentatio_RoomControlling.pptx
@@ -719,15 +719,7 @@
           <a:p>
             <a:r>
               <a:rPr lang="de-CH" dirty="0"/>
-              <a:t>1.8% </a:t>
-            </a:r>
-            <a:r>
-              <a:rPr lang="de-CH" dirty="0" err="1"/>
-              <a:t>Relatiuve</a:t>
-            </a:r>
-            <a:r>
-              <a:rPr lang="de-CH" dirty="0"/>
-              <a:t> Feuchte </a:t>
+              <a:t>1.8% Relative Feuchte </a:t>
             </a:r>
           </a:p>
           <a:p>
@@ -845,6 +837,45 @@
               <a:t> abgespeichert</a:t>
             </a:r>
           </a:p>
+          <a:p>
+            <a:endParaRPr lang="de-CH" dirty="0"/>
+          </a:p>
+          <a:p>
+            <a:r>
+              <a:rPr lang="de-CH" dirty="0"/>
+              <a:t>Raum als </a:t>
+            </a:r>
+            <a:r>
+              <a:rPr lang="de-CH" dirty="0" err="1"/>
+              <a:t>room</a:t>
+            </a:r>
+            <a:endParaRPr lang="de-CH" dirty="0"/>
+          </a:p>
+          <a:p>
+            <a:r>
+              <a:rPr lang="de-CH" dirty="0"/>
+              <a:t>Feuchtigkeit als </a:t>
+            </a:r>
+            <a:r>
+              <a:rPr lang="de-CH" dirty="0" err="1"/>
+              <a:t>humidity</a:t>
+            </a:r>
+            <a:endParaRPr lang="de-CH" dirty="0"/>
+          </a:p>
+          <a:p>
+            <a:r>
+              <a:rPr lang="de-CH" dirty="0"/>
+              <a:t>Temperatur als </a:t>
+            </a:r>
+            <a:r>
+              <a:rPr lang="de-CH" dirty="0" err="1"/>
+              <a:t>temperature</a:t>
+            </a:r>
+            <a:endParaRPr lang="de-CH" dirty="0"/>
+          </a:p>
+          <a:p>
+            <a:endParaRPr lang="de-CH" dirty="0"/>
+          </a:p>
         </p:txBody>
       </p:sp>
       <p:sp>
@@ -1053,6 +1084,20 @@
             </a:r>
           </a:p>
           <a:p>
+            <a:r>
+              <a:rPr lang="de-CH" dirty="0"/>
+              <a:t>120mA während </a:t>
+            </a:r>
+            <a:r>
+              <a:rPr lang="de-CH" dirty="0" err="1"/>
+              <a:t>wlan</a:t>
+            </a:r>
+            <a:r>
+              <a:rPr lang="de-CH" dirty="0"/>
+              <a:t> senden!</a:t>
+            </a:r>
+          </a:p>
+          <a:p>
             <a:endParaRPr lang="de-CH" dirty="0"/>
           </a:p>
           <a:p>
@@ -1064,6 +1109,9 @@
               <a:rPr lang="de-CH" dirty="0"/>
               <a:t> weckt den NODE MCU wider auf</a:t>
             </a:r>
+          </a:p>
+          <a:p>
+            <a:endParaRPr lang="de-CH" dirty="0"/>
           </a:p>
         </p:txBody>
       </p:sp>
@@ -5928,10 +5976,9 @@
               <a:buChar char="§"/>
             </a:pPr>
             <a:r>
-              <a:rPr lang="de-CH"/>
+              <a:rPr lang="de-CH" dirty="0"/>
               <a:t> Demo</a:t>
             </a:r>
-            <a:endParaRPr lang="de-CH" dirty="0"/>
           </a:p>
           <a:p>
             <a:pPr>
@@ -6027,8 +6074,13 @@
             </a:pPr>
             <a:r>
               <a:rPr lang="de-CH" dirty="0"/>
-              <a:t> Auslesen von HYT 939</a:t>
-            </a:r>
+              <a:t> </a:t>
+            </a:r>
+            <a:r>
+              <a:rPr lang="de-CH"/>
+              <a:t>Auslesen vom Feuchtigkeitssensor</a:t>
+            </a:r>
+            <a:endParaRPr lang="de-CH" dirty="0"/>
           </a:p>
           <a:p>
             <a:pPr>
